--- a/Lectures/LaTeX/QBS 103_ Intro to LaTeX.pptx
+++ b/Lectures/LaTeX/QBS 103_ Intro to LaTeX.pptx
@@ -953,7 +953,7 @@
         </p:nvSpPr>
         <p:spPr>
           <a:xfrm>
-            <a:off x="381300" y="685800"/>
+            <a:off x="381000" y="685800"/>
             <a:ext cx="6096000" cy="3429000"/>
           </a:xfrm>
           <a:custGeom>
@@ -7507,7 +7507,7 @@
 </file>
 
 <file path=ppt/slides/slide11.xml><?xml version="1.0" encoding="utf-8"?>
-<p:sld xmlns:a="http://schemas.openxmlformats.org/drawingml/2006/main" xmlns:r="http://schemas.openxmlformats.org/officeDocument/2006/relationships" xmlns:p="http://schemas.openxmlformats.org/presentationml/2006/main">
+<p:sld xmlns:a="http://schemas.openxmlformats.org/drawingml/2006/main" xmlns:r="http://schemas.openxmlformats.org/officeDocument/2006/relationships" xmlns:p="http://schemas.openxmlformats.org/presentationml/2006/main" show="0">
   <p:cSld>
     <p:spTree>
       <p:nvGrpSpPr>
@@ -7759,18 +7759,18 @@
               <a:buNone/>
             </a:pPr>
             <a:r>
-              <a:rPr lang="en"/>
+              <a:rPr lang="en" dirty="0"/>
               <a:t>The </a:t>
             </a:r>
             <a:r>
-              <a:rPr lang="en" i="1"/>
+              <a:rPr lang="en" i="1" dirty="0"/>
               <a:t>geometry</a:t>
             </a:r>
             <a:r>
-              <a:rPr lang="en"/>
+              <a:rPr lang="en" dirty="0"/>
               <a:t> package can be used to define a basic layout for your document like this:</a:t>
             </a:r>
-            <a:endParaRPr/>
+            <a:endParaRPr dirty="0"/>
           </a:p>
           <a:p>
             <a:pPr marL="0" lvl="0" indent="0" algn="l" rtl="0">
@@ -7783,10 +7783,18 @@
               <a:buNone/>
             </a:pPr>
             <a:r>
-              <a:rPr lang="en"/>
-              <a:t>\usepackage{geometry}</a:t>
-            </a:r>
-            <a:endParaRPr/>
+              <a:rPr lang="en" dirty="0"/>
+              <a:t>\</a:t>
+            </a:r>
+            <a:r>
+              <a:rPr lang="en" dirty="0" err="1"/>
+              <a:t>usepackage</a:t>
+            </a:r>
+            <a:r>
+              <a:rPr lang="en" dirty="0"/>
+              <a:t>{geometry}</a:t>
+            </a:r>
+            <a:endParaRPr dirty="0"/>
           </a:p>
           <a:p>
             <a:pPr marL="0" lvl="0" indent="0" algn="l" rtl="0">
@@ -7799,11 +7807,11 @@
               <a:buNone/>
             </a:pPr>
             <a:r>
-              <a:rPr lang="en"/>
+              <a:rPr lang="en" dirty="0"/>
               <a:t>\geometry{</a:t>
             </a:r>
             <a:r>
-              <a:rPr lang="en">
+              <a:rPr lang="en" dirty="0">
                 <a:solidFill>
                   <a:schemeClr val="accent1"/>
                 </a:solidFill>
@@ -7811,10 +7819,10 @@
               <a:t>total = {8.5in,11in}, margin=1in</a:t>
             </a:r>
             <a:r>
-              <a:rPr lang="en"/>
+              <a:rPr lang="en" dirty="0"/>
               <a:t>}</a:t>
             </a:r>
-            <a:endParaRPr/>
+            <a:endParaRPr dirty="0"/>
           </a:p>
           <a:p>
             <a:pPr marL="0" lvl="0" indent="0" algn="l" rtl="0">
@@ -7826,7 +7834,7 @@
               </a:spcAft>
               <a:buNone/>
             </a:pPr>
-            <a:endParaRPr/>
+            <a:endParaRPr dirty="0"/>
           </a:p>
           <a:p>
             <a:pPr marL="114300" marR="114300" lvl="0" indent="0" algn="l" rtl="0">
@@ -7838,7 +7846,7 @@
               </a:spcAft>
               <a:buNone/>
             </a:pPr>
-            <a:endParaRPr sz="1200">
+            <a:endParaRPr sz="1200" dirty="0">
               <a:solidFill>
                 <a:srgbClr val="5D6879"/>
               </a:solidFill>
@@ -7861,7 +7869,7 @@
               </a:spcAft>
               <a:buNone/>
             </a:pPr>
-            <a:endParaRPr/>
+            <a:endParaRPr dirty="0"/>
           </a:p>
         </p:txBody>
       </p:sp>
@@ -8377,10 +8385,10 @@
               <a:buNone/>
             </a:pPr>
             <a:r>
-              <a:rPr lang="en"/>
+              <a:rPr lang="en" dirty="0"/>
               <a:t>To add formatted references to a LaTeX, all you need is a .bib file which you can easily export from most citation managers. Add this file to your folder.</a:t>
             </a:r>
-            <a:endParaRPr/>
+            <a:endParaRPr dirty="0"/>
           </a:p>
           <a:p>
             <a:pPr marL="0" lvl="0" indent="0" algn="l" rtl="0">
@@ -8393,10 +8401,10 @@
               <a:buNone/>
             </a:pPr>
             <a:r>
-              <a:rPr lang="en"/>
+              <a:rPr lang="en" dirty="0"/>
               <a:t>At the end of your document, add this:</a:t>
             </a:r>
-            <a:endParaRPr/>
+            <a:endParaRPr dirty="0"/>
           </a:p>
           <a:p>
             <a:pPr marL="0" lvl="0" indent="0" algn="l" rtl="0">
@@ -8409,11 +8417,19 @@
               <a:buNone/>
             </a:pPr>
             <a:r>
-              <a:rPr lang="en"/>
-              <a:t>\bibliographystyle{</a:t>
-            </a:r>
-            <a:r>
-              <a:rPr lang="en">
+              <a:rPr lang="en" dirty="0"/>
+              <a:t>\</a:t>
+            </a:r>
+            <a:r>
+              <a:rPr lang="en" dirty="0" err="1"/>
+              <a:t>bibliographystyle</a:t>
+            </a:r>
+            <a:r>
+              <a:rPr lang="en" dirty="0"/>
+              <a:t>{</a:t>
+            </a:r>
+            <a:r>
+              <a:rPr lang="en" dirty="0">
                 <a:solidFill>
                   <a:schemeClr val="accent1"/>
                 </a:solidFill>
@@ -8421,10 +8437,10 @@
               <a:t>format you want to use</a:t>
             </a:r>
             <a:r>
-              <a:rPr lang="en"/>
+              <a:rPr lang="en" dirty="0"/>
               <a:t>}</a:t>
             </a:r>
-            <a:endParaRPr/>
+            <a:endParaRPr dirty="0"/>
           </a:p>
           <a:p>
             <a:pPr marL="0" lvl="0" indent="0" algn="l" rtl="0">
@@ -8437,11 +8453,11 @@
               <a:buNone/>
             </a:pPr>
             <a:r>
-              <a:rPr lang="en"/>
+              <a:rPr lang="en" dirty="0"/>
               <a:t>\bibliography{</a:t>
             </a:r>
             <a:r>
-              <a:rPr lang="en">
+              <a:rPr lang="en" dirty="0">
                 <a:solidFill>
                   <a:schemeClr val="accent1"/>
                 </a:solidFill>
@@ -8449,10 +8465,10 @@
               <a:t>file name (no .bib extension)</a:t>
             </a:r>
             <a:r>
-              <a:rPr lang="en"/>
+              <a:rPr lang="en" dirty="0"/>
               <a:t>}</a:t>
             </a:r>
-            <a:endParaRPr/>
+            <a:endParaRPr dirty="0"/>
           </a:p>
           <a:p>
             <a:pPr marL="0" lvl="0" indent="0" algn="l" rtl="0">
@@ -8464,7 +8480,7 @@
               </a:spcAft>
               <a:buNone/>
             </a:pPr>
-            <a:endParaRPr/>
+            <a:endParaRPr dirty="0"/>
           </a:p>
           <a:p>
             <a:pPr marL="0" lvl="0" indent="0" algn="l" rtl="0">
@@ -8477,10 +8493,10 @@
               <a:buNone/>
             </a:pPr>
             <a:r>
-              <a:rPr lang="en"/>
+              <a:rPr lang="en" dirty="0"/>
               <a:t>Note, the bibliography will be blank until you cite specific articles. Which you can do with the following command in line:</a:t>
             </a:r>
-            <a:endParaRPr/>
+            <a:endParaRPr dirty="0"/>
           </a:p>
           <a:p>
             <a:pPr marL="0" lvl="0" indent="0" algn="l" rtl="0">
@@ -8493,11 +8509,11 @@
               <a:buNone/>
             </a:pPr>
             <a:r>
-              <a:rPr lang="en"/>
+              <a:rPr lang="en" dirty="0"/>
               <a:t>\cite{</a:t>
             </a:r>
             <a:r>
-              <a:rPr lang="en">
+              <a:rPr lang="en" dirty="0">
                 <a:solidFill>
                   <a:schemeClr val="accent1"/>
                 </a:solidFill>
@@ -8505,10 +8521,10 @@
               <a:t>citation name</a:t>
             </a:r>
             <a:r>
-              <a:rPr lang="en"/>
+              <a:rPr lang="en" dirty="0"/>
               <a:t>}</a:t>
             </a:r>
-            <a:endParaRPr/>
+            <a:endParaRPr dirty="0"/>
           </a:p>
           <a:p>
             <a:pPr marL="0" lvl="0" indent="0" algn="l" rtl="0">
@@ -8520,7 +8536,7 @@
               </a:spcAft>
               <a:buNone/>
             </a:pPr>
-            <a:endParaRPr/>
+            <a:endParaRPr dirty="0"/>
           </a:p>
         </p:txBody>
       </p:sp>
@@ -8626,10 +8642,10 @@
               <a:buNone/>
             </a:pPr>
             <a:r>
-              <a:rPr lang="en"/>
+              <a:rPr lang="en" dirty="0"/>
               <a:t>To add an image to your LaTeX document, first add it to your folder in Overleaf.</a:t>
             </a:r>
-            <a:endParaRPr/>
+            <a:endParaRPr dirty="0"/>
           </a:p>
           <a:p>
             <a:pPr marL="0" lvl="0" indent="0" algn="l" rtl="0">
@@ -8642,10 +8658,10 @@
               <a:buNone/>
             </a:pPr>
             <a:r>
-              <a:rPr lang="en"/>
+              <a:rPr lang="en" dirty="0"/>
               <a:t>Add this to the top of your document:</a:t>
             </a:r>
-            <a:endParaRPr/>
+            <a:endParaRPr dirty="0"/>
           </a:p>
           <a:p>
             <a:pPr marL="0" lvl="0" indent="0" algn="l" rtl="0">
@@ -8658,10 +8674,26 @@
               <a:buNone/>
             </a:pPr>
             <a:r>
-              <a:rPr lang="en"/>
-              <a:t>\usepackage{graphicx}</a:t>
-            </a:r>
-            <a:endParaRPr/>
+              <a:rPr lang="en" dirty="0"/>
+              <a:t>\</a:t>
+            </a:r>
+            <a:r>
+              <a:rPr lang="en" dirty="0" err="1"/>
+              <a:t>usepackage</a:t>
+            </a:r>
+            <a:r>
+              <a:rPr lang="en" dirty="0"/>
+              <a:t>{</a:t>
+            </a:r>
+            <a:r>
+              <a:rPr lang="en" dirty="0" err="1"/>
+              <a:t>graphicx</a:t>
+            </a:r>
+            <a:r>
+              <a:rPr lang="en" dirty="0"/>
+              <a:t>}</a:t>
+            </a:r>
+            <a:endParaRPr dirty="0"/>
           </a:p>
           <a:p>
             <a:pPr marL="0" lvl="0" indent="0" algn="l" rtl="0">
@@ -8674,10 +8706,18 @@
               <a:buNone/>
             </a:pPr>
             <a:r>
-              <a:rPr lang="en"/>
-              <a:t>\graphicspath{ {./images/} }</a:t>
-            </a:r>
-            <a:endParaRPr/>
+              <a:rPr lang="en" dirty="0"/>
+              <a:t>\</a:t>
+            </a:r>
+            <a:r>
+              <a:rPr lang="en" dirty="0" err="1"/>
+              <a:t>graphicspath</a:t>
+            </a:r>
+            <a:r>
+              <a:rPr lang="en" dirty="0"/>
+              <a:t>{ {./images/} }</a:t>
+            </a:r>
+            <a:endParaRPr dirty="0"/>
           </a:p>
           <a:p>
             <a:pPr marL="0" lvl="0" indent="0" algn="l" rtl="0">
@@ -8689,7 +8729,7 @@
               </a:spcAft>
               <a:buNone/>
             </a:pPr>
-            <a:endParaRPr/>
+            <a:endParaRPr dirty="0"/>
           </a:p>
           <a:p>
             <a:pPr marL="0" lvl="0" indent="0" algn="l" rtl="0">
@@ -8702,10 +8742,10 @@
               <a:buNone/>
             </a:pPr>
             <a:r>
-              <a:rPr lang="en"/>
+              <a:rPr lang="en" dirty="0"/>
               <a:t>And call it inline like this</a:t>
             </a:r>
-            <a:endParaRPr/>
+            <a:endParaRPr dirty="0"/>
           </a:p>
           <a:p>
             <a:pPr marL="0" lvl="0" indent="0" algn="l" rtl="0">
@@ -8718,11 +8758,19 @@
               <a:buNone/>
             </a:pPr>
             <a:r>
-              <a:rPr lang="en"/>
-              <a:t>\includegraphics{</a:t>
-            </a:r>
-            <a:r>
-              <a:rPr lang="en">
+              <a:rPr lang="en" dirty="0"/>
+              <a:t>\</a:t>
+            </a:r>
+            <a:r>
+              <a:rPr lang="en" dirty="0" err="1"/>
+              <a:t>includegraphics</a:t>
+            </a:r>
+            <a:r>
+              <a:rPr lang="en" dirty="0"/>
+              <a:t>{</a:t>
+            </a:r>
+            <a:r>
+              <a:rPr lang="en" dirty="0">
                 <a:solidFill>
                   <a:schemeClr val="accent1"/>
                 </a:solidFill>
@@ -8730,10 +8778,10 @@
               <a:t>image name</a:t>
             </a:r>
             <a:r>
-              <a:rPr lang="en"/>
+              <a:rPr lang="en" dirty="0"/>
               <a:t>}</a:t>
             </a:r>
-            <a:endParaRPr/>
+            <a:endParaRPr dirty="0"/>
           </a:p>
         </p:txBody>
       </p:sp>
@@ -8866,7 +8914,7 @@
               </a:spcAft>
               <a:buNone/>
             </a:pPr>
-            <a:endParaRPr sz="2300"/>
+            <a:endParaRPr sz="2300" dirty="0"/>
           </a:p>
           <a:p>
             <a:pPr marL="0" lvl="0" indent="0" algn="l" rtl="0">
@@ -8885,7 +8933,7 @@
               <a:rPr lang="en" sz="2300"/>
               <a:t>Typeset the following proof in LaTeX: </a:t>
             </a:r>
-            <a:endParaRPr sz="2300"/>
+            <a:endParaRPr sz="2300" dirty="0"/>
           </a:p>
         </p:txBody>
       </p:sp>
@@ -10051,10 +10099,10 @@
               <a:buNone/>
             </a:pPr>
             <a:r>
-              <a:rPr lang="en"/>
+              <a:rPr lang="en" dirty="0"/>
               <a:t>We can add additional features to our document using features like these:</a:t>
             </a:r>
-            <a:endParaRPr/>
+            <a:endParaRPr dirty="0"/>
           </a:p>
           <a:p>
             <a:pPr marL="0" lvl="0" indent="0" algn="l" rtl="0">
@@ -10067,10 +10115,18 @@
               <a:buNone/>
             </a:pPr>
             <a:r>
-              <a:rPr lang="en"/>
-              <a:t>\documentclass{article}</a:t>
-            </a:r>
-            <a:endParaRPr/>
+              <a:rPr lang="en" dirty="0"/>
+              <a:t>\</a:t>
+            </a:r>
+            <a:r>
+              <a:rPr lang="en" dirty="0" err="1"/>
+              <a:t>documentclass</a:t>
+            </a:r>
+            <a:r>
+              <a:rPr lang="en" dirty="0"/>
+              <a:t>{article}</a:t>
+            </a:r>
+            <a:endParaRPr dirty="0"/>
           </a:p>
           <a:p>
             <a:pPr marL="0" lvl="0" indent="0" algn="l" rtl="0">
@@ -10082,7 +10138,7 @@
               </a:spcAft>
               <a:buNone/>
             </a:pPr>
-            <a:endParaRPr/>
+            <a:endParaRPr dirty="0"/>
           </a:p>
           <a:p>
             <a:pPr marL="0" lvl="0" indent="0" algn="l" rtl="0">
@@ -10095,14 +10151,14 @@
               <a:buNone/>
             </a:pPr>
             <a:r>
-              <a:rPr lang="en">
+              <a:rPr lang="en" dirty="0">
                 <a:solidFill>
                   <a:schemeClr val="accent5"/>
                 </a:solidFill>
               </a:rPr>
               <a:t>\title{your title here}</a:t>
             </a:r>
-            <a:endParaRPr>
+            <a:endParaRPr dirty="0">
               <a:solidFill>
                 <a:schemeClr val="accent5"/>
               </a:solidFill>
@@ -10119,14 +10175,14 @@
               <a:buNone/>
             </a:pPr>
             <a:r>
-              <a:rPr lang="en">
+              <a:rPr lang="en" dirty="0">
                 <a:solidFill>
                   <a:schemeClr val="accent5"/>
                 </a:solidFill>
               </a:rPr>
               <a:t>\author{your name here}</a:t>
             </a:r>
-            <a:endParaRPr>
+            <a:endParaRPr dirty="0">
               <a:solidFill>
                 <a:schemeClr val="accent5"/>
               </a:solidFill>
@@ -10143,14 +10199,14 @@
               <a:buNone/>
             </a:pPr>
             <a:r>
-              <a:rPr lang="en">
+              <a:rPr lang="en" dirty="0">
                 <a:solidFill>
                   <a:schemeClr val="accent5"/>
                 </a:solidFill>
               </a:rPr>
               <a:t>\date{your date here}</a:t>
             </a:r>
-            <a:endParaRPr>
+            <a:endParaRPr dirty="0">
               <a:solidFill>
                 <a:schemeClr val="accent5"/>
               </a:solidFill>
@@ -10166,7 +10222,7 @@
               </a:spcAft>
               <a:buNone/>
             </a:pPr>
-            <a:endParaRPr/>
+            <a:endParaRPr dirty="0"/>
           </a:p>
           <a:p>
             <a:pPr marL="0" lvl="0" indent="0" algn="l" rtl="0">
@@ -10179,10 +10235,10 @@
               <a:buNone/>
             </a:pPr>
             <a:r>
-              <a:rPr lang="en"/>
+              <a:rPr lang="en" dirty="0"/>
               <a:t>\begin{document}</a:t>
             </a:r>
-            <a:endParaRPr/>
+            <a:endParaRPr dirty="0"/>
           </a:p>
           <a:p>
             <a:pPr marL="0" lvl="0" indent="0" algn="l" rtl="0">
@@ -10194,7 +10250,7 @@
               </a:spcAft>
               <a:buNone/>
             </a:pPr>
-            <a:endParaRPr/>
+            <a:endParaRPr dirty="0"/>
           </a:p>
           <a:p>
             <a:pPr marL="0" lvl="0" indent="0" algn="l" rtl="0">
@@ -10207,14 +10263,30 @@
               <a:buNone/>
             </a:pPr>
             <a:r>
-              <a:rPr lang="en">
+              <a:rPr lang="en" dirty="0">
                 <a:solidFill>
                   <a:schemeClr val="accent5"/>
                 </a:solidFill>
               </a:rPr>
-              <a:t>\maketitle % inserts text for your title as defined above</a:t>
-            </a:r>
-            <a:endParaRPr>
+              <a:t>\</a:t>
+            </a:r>
+            <a:r>
+              <a:rPr lang="en" dirty="0" err="1">
+                <a:solidFill>
+                  <a:schemeClr val="accent5"/>
+                </a:solidFill>
+              </a:rPr>
+              <a:t>maketitle</a:t>
+            </a:r>
+            <a:r>
+              <a:rPr lang="en" dirty="0">
+                <a:solidFill>
+                  <a:schemeClr val="accent5"/>
+                </a:solidFill>
+              </a:rPr>
+              <a:t> % inserts text for your title as defined above</a:t>
+            </a:r>
+            <a:endParaRPr dirty="0">
               <a:solidFill>
                 <a:schemeClr val="accent5"/>
               </a:solidFill>
@@ -10230,7 +10302,7 @@
               </a:spcAft>
               <a:buNone/>
             </a:pPr>
-            <a:endParaRPr>
+            <a:endParaRPr dirty="0">
               <a:solidFill>
                 <a:schemeClr val="accent5"/>
               </a:solidFill>
@@ -10247,14 +10319,46 @@
               <a:buNone/>
             </a:pPr>
             <a:r>
-              <a:rPr lang="en">
+              <a:rPr lang="en" dirty="0">
                 <a:solidFill>
                   <a:schemeClr val="accent5"/>
                 </a:solidFill>
               </a:rPr>
-              <a:t>\tableofcontents %automatically generates based on sections, subsections, etc defined in your document</a:t>
-            </a:r>
-            <a:endParaRPr>
+              <a:t>\</a:t>
+            </a:r>
+            <a:r>
+              <a:rPr lang="en" dirty="0" err="1">
+                <a:solidFill>
+                  <a:schemeClr val="accent5"/>
+                </a:solidFill>
+              </a:rPr>
+              <a:t>tableofcontents</a:t>
+            </a:r>
+            <a:r>
+              <a:rPr lang="en" dirty="0">
+                <a:solidFill>
+                  <a:schemeClr val="accent5"/>
+                </a:solidFill>
+              </a:rPr>
+              <a:t> %automatically generates based on sections, subsections, </a:t>
+            </a:r>
+            <a:r>
+              <a:rPr lang="en" dirty="0" err="1">
+                <a:solidFill>
+                  <a:schemeClr val="accent5"/>
+                </a:solidFill>
+              </a:rPr>
+              <a:t>etc</a:t>
+            </a:r>
+            <a:r>
+              <a:rPr lang="en" dirty="0">
+                <a:solidFill>
+                  <a:schemeClr val="accent5"/>
+                </a:solidFill>
+              </a:rPr>
+              <a:t> defined in your document</a:t>
+            </a:r>
+            <a:endParaRPr dirty="0">
               <a:solidFill>
                 <a:schemeClr val="accent5"/>
               </a:solidFill>
@@ -10270,7 +10374,7 @@
               </a:spcAft>
               <a:buNone/>
             </a:pPr>
-            <a:endParaRPr>
+            <a:endParaRPr dirty="0">
               <a:solidFill>
                 <a:schemeClr val="accent5"/>
               </a:solidFill>
@@ -10287,14 +10391,14 @@
               <a:buNone/>
             </a:pPr>
             <a:r>
-              <a:rPr lang="en">
+              <a:rPr lang="en" dirty="0">
                 <a:solidFill>
                   <a:schemeClr val="accent5"/>
                 </a:solidFill>
               </a:rPr>
               <a:t>\section{your section name here}</a:t>
             </a:r>
-            <a:endParaRPr>
+            <a:endParaRPr dirty="0">
               <a:solidFill>
                 <a:schemeClr val="accent5"/>
               </a:solidFill>
@@ -10311,14 +10415,14 @@
               <a:buNone/>
             </a:pPr>
             <a:r>
-              <a:rPr lang="en">
+              <a:rPr lang="en" dirty="0">
                 <a:solidFill>
                   <a:schemeClr val="accent5"/>
                 </a:solidFill>
               </a:rPr>
               <a:t>\subsection{your subsection name here}</a:t>
             </a:r>
-            <a:endParaRPr>
+            <a:endParaRPr dirty="0">
               <a:solidFill>
                 <a:schemeClr val="accent5"/>
               </a:solidFill>
@@ -10334,7 +10438,7 @@
               </a:spcAft>
               <a:buNone/>
             </a:pPr>
-            <a:endParaRPr>
+            <a:endParaRPr dirty="0">
               <a:solidFill>
                 <a:schemeClr val="accent5"/>
               </a:solidFill>
@@ -10351,14 +10455,14 @@
               <a:buNone/>
             </a:pPr>
             <a:r>
-              <a:rPr lang="en">
+              <a:rPr lang="en" dirty="0">
                 <a:solidFill>
                   <a:schemeClr val="accent5"/>
                 </a:solidFill>
               </a:rPr>
               <a:t>You can also add text as you want it to appear throughout just by typing.</a:t>
             </a:r>
-            <a:endParaRPr>
+            <a:endParaRPr dirty="0">
               <a:solidFill>
                 <a:schemeClr val="accent5"/>
               </a:solidFill>
@@ -10374,7 +10478,7 @@
               </a:spcAft>
               <a:buNone/>
             </a:pPr>
-            <a:endParaRPr/>
+            <a:endParaRPr dirty="0"/>
           </a:p>
           <a:p>
             <a:pPr marL="0" lvl="0" indent="0" algn="l" rtl="0">
@@ -10387,10 +10491,10 @@
               <a:buNone/>
             </a:pPr>
             <a:r>
-              <a:rPr lang="en"/>
+              <a:rPr lang="en" dirty="0"/>
               <a:t>\end{document}</a:t>
             </a:r>
-            <a:endParaRPr/>
+            <a:endParaRPr dirty="0"/>
           </a:p>
         </p:txBody>
       </p:sp>
@@ -10496,10 +10600,10 @@
               <a:buNone/>
             </a:pPr>
             <a:r>
-              <a:rPr lang="en"/>
+              <a:rPr lang="en" dirty="0"/>
               <a:t>Whenever we’re typing an equation we use the following syntax to denote that the text inside reflects a mathematical equation.</a:t>
             </a:r>
-            <a:endParaRPr/>
+            <a:endParaRPr dirty="0"/>
           </a:p>
           <a:p>
             <a:pPr marL="0" lvl="0" indent="0" algn="l" rtl="0">
@@ -10512,18 +10616,18 @@
               <a:buNone/>
             </a:pPr>
             <a:r>
-              <a:rPr lang="en" b="1"/>
+              <a:rPr lang="en" b="1" dirty="0"/>
               <a:t>On a New Line:</a:t>
             </a:r>
             <a:br>
-              <a:rPr lang="en" b="1"/>
+              <a:rPr lang="en" b="1" dirty="0"/>
             </a:br>
             <a:r>
-              <a:rPr lang="en"/>
+              <a:rPr lang="en" dirty="0"/>
               <a:t>\[ </a:t>
             </a:r>
             <a:r>
-              <a:rPr lang="en">
+              <a:rPr lang="en" dirty="0">
                 <a:solidFill>
                   <a:schemeClr val="accent1"/>
                 </a:solidFill>
@@ -10531,10 +10635,10 @@
               <a:t>your equation here</a:t>
             </a:r>
             <a:r>
-              <a:rPr lang="en"/>
+              <a:rPr lang="en" dirty="0"/>
               <a:t> \]</a:t>
             </a:r>
-            <a:endParaRPr/>
+            <a:endParaRPr dirty="0"/>
           </a:p>
           <a:p>
             <a:pPr marL="0" lvl="0" indent="0" algn="l" rtl="0">
@@ -10547,18 +10651,18 @@
               <a:buNone/>
             </a:pPr>
             <a:r>
-              <a:rPr lang="en" b="1"/>
+              <a:rPr lang="en" b="1" dirty="0"/>
               <a:t>In Line with Text:</a:t>
             </a:r>
             <a:br>
-              <a:rPr lang="en" b="1"/>
+              <a:rPr lang="en" b="1" dirty="0"/>
             </a:br>
             <a:r>
-              <a:rPr lang="en"/>
+              <a:rPr lang="en" dirty="0"/>
               <a:t>$ </a:t>
             </a:r>
             <a:r>
-              <a:rPr lang="en">
+              <a:rPr lang="en" dirty="0">
                 <a:solidFill>
                   <a:schemeClr val="accent1"/>
                 </a:solidFill>
@@ -10566,10 +10670,10 @@
               <a:t>your equation here</a:t>
             </a:r>
             <a:r>
-              <a:rPr lang="en"/>
+              <a:rPr lang="en" dirty="0"/>
               <a:t> $</a:t>
             </a:r>
-            <a:endParaRPr/>
+            <a:endParaRPr dirty="0"/>
           </a:p>
           <a:p>
             <a:pPr marL="0" lvl="0" indent="0" algn="l" rtl="0">
@@ -10582,11 +10686,11 @@
               <a:buNone/>
             </a:pPr>
             <a:r>
-              <a:rPr lang="en"/>
+              <a:rPr lang="en" dirty="0"/>
               <a:t>\( </a:t>
             </a:r>
             <a:r>
-              <a:rPr lang="en">
+              <a:rPr lang="en" dirty="0">
                 <a:solidFill>
                   <a:schemeClr val="accent1"/>
                 </a:solidFill>
@@ -10594,10 +10698,10 @@
               <a:t>your equation here</a:t>
             </a:r>
             <a:r>
-              <a:rPr lang="en"/>
+              <a:rPr lang="en" dirty="0"/>
               <a:t> \)</a:t>
             </a:r>
-            <a:endParaRPr/>
+            <a:endParaRPr dirty="0"/>
           </a:p>
           <a:p>
             <a:pPr marL="0" lvl="0" indent="0" algn="l" rtl="0">
@@ -10610,11 +10714,11 @@
               <a:buNone/>
             </a:pPr>
             <a:r>
-              <a:rPr lang="en"/>
+              <a:rPr lang="en" dirty="0"/>
               <a:t>\begin{math} </a:t>
             </a:r>
             <a:r>
-              <a:rPr lang="en">
+              <a:rPr lang="en" dirty="0">
                 <a:solidFill>
                   <a:schemeClr val="accent1"/>
                 </a:solidFill>
@@ -10622,10 +10726,10 @@
               <a:t>your equation here</a:t>
             </a:r>
             <a:r>
-              <a:rPr lang="en"/>
+              <a:rPr lang="en" dirty="0"/>
               <a:t> \end{math}</a:t>
             </a:r>
-            <a:endParaRPr/>
+            <a:endParaRPr dirty="0"/>
           </a:p>
         </p:txBody>
       </p:sp>
